--- a/Application Server Architecture/blocking, non-blocking diff.pptx
+++ b/Application Server Architecture/blocking, non-blocking diff.pptx
@@ -8,6 +8,7 @@
     <p:sldId id="256" r:id="rId2"/>
     <p:sldId id="257" r:id="rId3"/>
     <p:sldId id="258" r:id="rId4"/>
+    <p:sldId id="259" r:id="rId5"/>
   </p:sldIdLst>
   <p:sldSz cx="12192000" cy="6858000"/>
   <p:notesSz cx="6858000" cy="9144000"/>
@@ -106,6 +107,11 @@
       </a:defRPr>
     </a:lvl9pPr>
   </p:defaultTextStyle>
+  <p:extLst>
+    <p:ext uri="{EFAFB233-063F-42B5-8137-9DF3F51BA10A}">
+      <p15:sldGuideLst xmlns:p15="http://schemas.microsoft.com/office/powerpoint/2012/main"/>
+    </p:ext>
+  </p:extLst>
 </p:presentation>
 </file>
 
@@ -256,7 +262,7 @@
           <a:p>
             <a:fld id="{8BB58023-FA77-4B63-866E-A807824C1C00}" type="datetimeFigureOut">
               <a:rPr lang="ko-KR" altLang="en-US" smtClean="0"/>
-              <a:t>2022-05-16</a:t>
+              <a:t>2022-05-17</a:t>
             </a:fld>
             <a:endParaRPr lang="ko-KR" altLang="en-US"/>
           </a:p>
@@ -454,7 +460,7 @@
           <a:p>
             <a:fld id="{8BB58023-FA77-4B63-866E-A807824C1C00}" type="datetimeFigureOut">
               <a:rPr lang="ko-KR" altLang="en-US" smtClean="0"/>
-              <a:t>2022-05-16</a:t>
+              <a:t>2022-05-17</a:t>
             </a:fld>
             <a:endParaRPr lang="ko-KR" altLang="en-US"/>
           </a:p>
@@ -662,7 +668,7 @@
           <a:p>
             <a:fld id="{8BB58023-FA77-4B63-866E-A807824C1C00}" type="datetimeFigureOut">
               <a:rPr lang="ko-KR" altLang="en-US" smtClean="0"/>
-              <a:t>2022-05-16</a:t>
+              <a:t>2022-05-17</a:t>
             </a:fld>
             <a:endParaRPr lang="ko-KR" altLang="en-US"/>
           </a:p>
@@ -860,7 +866,7 @@
           <a:p>
             <a:fld id="{8BB58023-FA77-4B63-866E-A807824C1C00}" type="datetimeFigureOut">
               <a:rPr lang="ko-KR" altLang="en-US" smtClean="0"/>
-              <a:t>2022-05-16</a:t>
+              <a:t>2022-05-17</a:t>
             </a:fld>
             <a:endParaRPr lang="ko-KR" altLang="en-US"/>
           </a:p>
@@ -1135,7 +1141,7 @@
           <a:p>
             <a:fld id="{8BB58023-FA77-4B63-866E-A807824C1C00}" type="datetimeFigureOut">
               <a:rPr lang="ko-KR" altLang="en-US" smtClean="0"/>
-              <a:t>2022-05-16</a:t>
+              <a:t>2022-05-17</a:t>
             </a:fld>
             <a:endParaRPr lang="ko-KR" altLang="en-US"/>
           </a:p>
@@ -1400,7 +1406,7 @@
           <a:p>
             <a:fld id="{8BB58023-FA77-4B63-866E-A807824C1C00}" type="datetimeFigureOut">
               <a:rPr lang="ko-KR" altLang="en-US" smtClean="0"/>
-              <a:t>2022-05-16</a:t>
+              <a:t>2022-05-17</a:t>
             </a:fld>
             <a:endParaRPr lang="ko-KR" altLang="en-US"/>
           </a:p>
@@ -1812,7 +1818,7 @@
           <a:p>
             <a:fld id="{8BB58023-FA77-4B63-866E-A807824C1C00}" type="datetimeFigureOut">
               <a:rPr lang="ko-KR" altLang="en-US" smtClean="0"/>
-              <a:t>2022-05-16</a:t>
+              <a:t>2022-05-17</a:t>
             </a:fld>
             <a:endParaRPr lang="ko-KR" altLang="en-US"/>
           </a:p>
@@ -1953,7 +1959,7 @@
           <a:p>
             <a:fld id="{8BB58023-FA77-4B63-866E-A807824C1C00}" type="datetimeFigureOut">
               <a:rPr lang="ko-KR" altLang="en-US" smtClean="0"/>
-              <a:t>2022-05-16</a:t>
+              <a:t>2022-05-17</a:t>
             </a:fld>
             <a:endParaRPr lang="ko-KR" altLang="en-US"/>
           </a:p>
@@ -2066,7 +2072,7 @@
           <a:p>
             <a:fld id="{8BB58023-FA77-4B63-866E-A807824C1C00}" type="datetimeFigureOut">
               <a:rPr lang="ko-KR" altLang="en-US" smtClean="0"/>
-              <a:t>2022-05-16</a:t>
+              <a:t>2022-05-17</a:t>
             </a:fld>
             <a:endParaRPr lang="ko-KR" altLang="en-US"/>
           </a:p>
@@ -2377,7 +2383,7 @@
           <a:p>
             <a:fld id="{8BB58023-FA77-4B63-866E-A807824C1C00}" type="datetimeFigureOut">
               <a:rPr lang="ko-KR" altLang="en-US" smtClean="0"/>
-              <a:t>2022-05-16</a:t>
+              <a:t>2022-05-17</a:t>
             </a:fld>
             <a:endParaRPr lang="ko-KR" altLang="en-US"/>
           </a:p>
@@ -2665,7 +2671,7 @@
           <a:p>
             <a:fld id="{8BB58023-FA77-4B63-866E-A807824C1C00}" type="datetimeFigureOut">
               <a:rPr lang="ko-KR" altLang="en-US" smtClean="0"/>
-              <a:t>2022-05-16</a:t>
+              <a:t>2022-05-17</a:t>
             </a:fld>
             <a:endParaRPr lang="ko-KR" altLang="en-US"/>
           </a:p>
@@ -2906,7 +2912,7 @@
           <a:p>
             <a:fld id="{8BB58023-FA77-4B63-866E-A807824C1C00}" type="datetimeFigureOut">
               <a:rPr lang="ko-KR" altLang="en-US" smtClean="0"/>
-              <a:t>2022-05-16</a:t>
+              <a:t>2022-05-17</a:t>
             </a:fld>
             <a:endParaRPr lang="ko-KR" altLang="en-US"/>
           </a:p>
@@ -3387,7 +3393,7 @@
         </p:nvSpPr>
         <p:spPr>
           <a:xfrm>
-            <a:off x="469557" y="2693773"/>
+            <a:off x="469557" y="2397212"/>
             <a:ext cx="1639329" cy="1309816"/>
           </a:xfrm>
           <a:prstGeom prst="rect">
@@ -3437,7 +3443,7 @@
         </p:nvSpPr>
         <p:spPr>
           <a:xfrm>
-            <a:off x="2887362" y="2693772"/>
+            <a:off x="2887362" y="2397211"/>
             <a:ext cx="1639329" cy="1309816"/>
           </a:xfrm>
           <a:prstGeom prst="rect">
@@ -3481,9 +3487,24 @@
             <a:pPr algn="ctr"/>
             <a:r>
               <a:rPr lang="en-US" altLang="ko-KR" dirty="0"/>
-              <a:t>(TCP Thread Per N)</a:t>
-            </a:r>
-            <a:endParaRPr lang="ko-KR" altLang="en-US" dirty="0"/>
+              <a:t>(ex</a:t>
+            </a:r>
+            <a:r>
+              <a:rPr lang="ko-KR" altLang="en-US" dirty="0"/>
+              <a:t> </a:t>
+            </a:r>
+            <a:r>
+              <a:rPr lang="en-US" altLang="ko-KR" dirty="0"/>
+              <a:t>:</a:t>
+            </a:r>
+            <a:r>
+              <a:rPr lang="ko-KR" altLang="en-US" dirty="0"/>
+              <a:t> </a:t>
+            </a:r>
+            <a:r>
+              <a:rPr lang="en-US" altLang="ko-KR" dirty="0"/>
+              <a:t>W3WP.EXE)</a:t>
+            </a:r>
           </a:p>
         </p:txBody>
       </p:sp>
@@ -3501,7 +3522,7 @@
         </p:nvSpPr>
         <p:spPr>
           <a:xfrm>
-            <a:off x="6244281" y="963827"/>
+            <a:off x="6244281" y="667266"/>
             <a:ext cx="4802660" cy="675503"/>
           </a:xfrm>
           <a:prstGeom prst="rect">
@@ -3551,7 +3572,7 @@
         </p:nvSpPr>
         <p:spPr>
           <a:xfrm>
-            <a:off x="6244281" y="2018270"/>
+            <a:off x="6244281" y="1721709"/>
             <a:ext cx="4802660" cy="675503"/>
           </a:xfrm>
           <a:prstGeom prst="rect">
@@ -3601,7 +3622,7 @@
         </p:nvSpPr>
         <p:spPr>
           <a:xfrm>
-            <a:off x="6244281" y="3010929"/>
+            <a:off x="6244281" y="2714368"/>
             <a:ext cx="4802660" cy="675503"/>
           </a:xfrm>
           <a:prstGeom prst="rect">
@@ -3651,7 +3672,7 @@
         </p:nvSpPr>
         <p:spPr>
           <a:xfrm>
-            <a:off x="6244281" y="4003588"/>
+            <a:off x="6244281" y="3707027"/>
             <a:ext cx="4802660" cy="675503"/>
           </a:xfrm>
           <a:prstGeom prst="rect">
@@ -3701,7 +3722,7 @@
         </p:nvSpPr>
         <p:spPr>
           <a:xfrm>
-            <a:off x="6244281" y="4996247"/>
+            <a:off x="6244281" y="4699686"/>
             <a:ext cx="4802660" cy="675503"/>
           </a:xfrm>
           <a:prstGeom prst="rect">
@@ -3754,7 +3775,7 @@
         </p:nvCxnSpPr>
         <p:spPr>
           <a:xfrm flipV="1">
-            <a:off x="2108886" y="3348680"/>
+            <a:off x="2108886" y="3052119"/>
             <a:ext cx="778476" cy="1"/>
           </a:xfrm>
           <a:prstGeom prst="straightConnector1">
@@ -3797,7 +3818,7 @@
         </p:nvCxnSpPr>
         <p:spPr>
           <a:xfrm flipV="1">
-            <a:off x="4526691" y="1301579"/>
+            <a:off x="4526691" y="1005018"/>
             <a:ext cx="1717590" cy="2047101"/>
           </a:xfrm>
           <a:prstGeom prst="straightConnector1">
@@ -3840,7 +3861,7 @@
         </p:nvCxnSpPr>
         <p:spPr>
           <a:xfrm flipV="1">
-            <a:off x="4526691" y="2356022"/>
+            <a:off x="4526691" y="2059461"/>
             <a:ext cx="1717590" cy="992658"/>
           </a:xfrm>
           <a:prstGeom prst="straightConnector1">
@@ -3883,7 +3904,7 @@
         </p:nvCxnSpPr>
         <p:spPr>
           <a:xfrm>
-            <a:off x="4526691" y="3348680"/>
+            <a:off x="4526691" y="3052119"/>
             <a:ext cx="1717590" cy="1"/>
           </a:xfrm>
           <a:prstGeom prst="straightConnector1">
@@ -3926,7 +3947,7 @@
         </p:nvCxnSpPr>
         <p:spPr>
           <a:xfrm>
-            <a:off x="4526691" y="3348680"/>
+            <a:off x="4526691" y="3052119"/>
             <a:ext cx="1717590" cy="992660"/>
           </a:xfrm>
           <a:prstGeom prst="straightConnector1">
@@ -3969,7 +3990,7 @@
         </p:nvCxnSpPr>
         <p:spPr>
           <a:xfrm>
-            <a:off x="4526691" y="3348680"/>
+            <a:off x="4526691" y="3052119"/>
             <a:ext cx="1717590" cy="1985319"/>
           </a:xfrm>
           <a:prstGeom prst="straightConnector1">
@@ -3996,10 +4017,10 @@
       </p:cxnSp>
       <p:sp>
         <p:nvSpPr>
-          <p:cNvPr id="35" name="폭발: 8pt 34">
-            <a:extLst>
-              <a:ext uri="{FF2B5EF4-FFF2-40B4-BE49-F238E27FC236}">
-                <a16:creationId xmlns:a16="http://schemas.microsoft.com/office/drawing/2014/main" id="{22596D95-A758-472F-8619-2B1F0B8518A4}"/>
+          <p:cNvPr id="36" name="폭발: 8pt 35">
+            <a:extLst>
+              <a:ext uri="{FF2B5EF4-FFF2-40B4-BE49-F238E27FC236}">
+                <a16:creationId xmlns:a16="http://schemas.microsoft.com/office/drawing/2014/main" id="{5ACCA3C8-6F4A-4427-B4EC-29B65E871684}"/>
               </a:ext>
             </a:extLst>
           </p:cNvPr>
@@ -4008,8 +4029,8 @@
         </p:nvSpPr>
         <p:spPr>
           <a:xfrm>
-            <a:off x="3748215" y="1719657"/>
-            <a:ext cx="1882347" cy="1460147"/>
+            <a:off x="6606744" y="5037437"/>
+            <a:ext cx="3229234" cy="1460147"/>
           </a:xfrm>
           <a:prstGeom prst="irregularSeal1">
             <a:avLst/>
@@ -4036,39 +4057,7 @@
             <a:pPr algn="ctr"/>
             <a:r>
               <a:rPr lang="en-US" altLang="ko-KR" dirty="0"/>
-              <a:t>Here,</a:t>
-            </a:r>
-            <a:r>
-              <a:rPr lang="ko-KR" altLang="en-US" dirty="0"/>
-              <a:t> </a:t>
-            </a:r>
-            <a:r>
-              <a:rPr lang="en-US" altLang="ko-KR" dirty="0"/>
-              <a:t>We</a:t>
-            </a:r>
-            <a:r>
-              <a:rPr lang="ko-KR" altLang="en-US" dirty="0"/>
-              <a:t> </a:t>
-            </a:r>
-            <a:r>
-              <a:rPr lang="en-US" altLang="ko-KR" dirty="0"/>
-              <a:t>Call</a:t>
-            </a:r>
-            <a:r>
-              <a:rPr lang="ko-KR" altLang="en-US" dirty="0"/>
-              <a:t> </a:t>
-            </a:r>
-            <a:r>
-              <a:rPr lang="en-US" altLang="ko-KR" dirty="0"/>
-              <a:t>Multi</a:t>
-            </a:r>
-            <a:r>
-              <a:rPr lang="ko-KR" altLang="en-US" dirty="0"/>
-              <a:t> </a:t>
-            </a:r>
-            <a:r>
-              <a:rPr lang="en-US" altLang="ko-KR" dirty="0"/>
-              <a:t>Thread</a:t>
+              <a:t>Limitation N Thread</a:t>
             </a:r>
             <a:endParaRPr lang="ko-KR" altLang="en-US" dirty="0"/>
           </a:p>
@@ -4076,10 +4065,10 @@
       </p:sp>
       <p:sp>
         <p:nvSpPr>
-          <p:cNvPr id="36" name="폭발: 8pt 35">
-            <a:extLst>
-              <a:ext uri="{FF2B5EF4-FFF2-40B4-BE49-F238E27FC236}">
-                <a16:creationId xmlns:a16="http://schemas.microsoft.com/office/drawing/2014/main" id="{5ACCA3C8-6F4A-4427-B4EC-29B65E871684}"/>
+          <p:cNvPr id="24" name="직사각형 23">
+            <a:extLst>
+              <a:ext uri="{FF2B5EF4-FFF2-40B4-BE49-F238E27FC236}">
+                <a16:creationId xmlns:a16="http://schemas.microsoft.com/office/drawing/2014/main" id="{6BF43A9C-6761-4FCD-9B50-2E298ABEB7BA}"/>
               </a:ext>
             </a:extLst>
           </p:cNvPr>
@@ -4088,8 +4077,120 @@
         </p:nvSpPr>
         <p:spPr>
           <a:xfrm>
-            <a:off x="6606744" y="5333998"/>
-            <a:ext cx="3229234" cy="1460147"/>
+            <a:off x="2356022" y="3709068"/>
+            <a:ext cx="2726724" cy="920565"/>
+          </a:xfrm>
+          <a:prstGeom prst="rect">
+            <a:avLst/>
+          </a:prstGeom>
+        </p:spPr>
+        <p:style>
+          <a:lnRef idx="2">
+            <a:schemeClr val="accent1">
+              <a:shade val="50000"/>
+            </a:schemeClr>
+          </a:lnRef>
+          <a:fillRef idx="1">
+            <a:schemeClr val="accent1"/>
+          </a:fillRef>
+          <a:effectRef idx="0">
+            <a:schemeClr val="accent1"/>
+          </a:effectRef>
+          <a:fontRef idx="minor">
+            <a:schemeClr val="lt1"/>
+          </a:fontRef>
+        </p:style>
+        <p:txBody>
+          <a:bodyPr rtlCol="0" anchor="ctr"/>
+          <a:lstStyle/>
+          <a:p>
+            <a:pPr algn="ctr"/>
+            <a:r>
+              <a:rPr lang="en-US" altLang="ko-KR" sz="1200" dirty="0"/>
+              <a:t>IIS,</a:t>
+            </a:r>
+            <a:r>
+              <a:rPr lang="ko-KR" altLang="en-US" sz="1200" dirty="0"/>
+              <a:t> </a:t>
+            </a:r>
+            <a:r>
+              <a:rPr lang="en-US" altLang="ko-KR" sz="1200" dirty="0"/>
+              <a:t>APACHE</a:t>
+            </a:r>
+          </a:p>
+          <a:p>
+            <a:pPr algn="ctr"/>
+            <a:r>
+              <a:rPr lang="en-US" altLang="ko-KR" sz="1200" dirty="0"/>
+              <a:t>(web server platform, management thread pool)</a:t>
+            </a:r>
+            <a:endParaRPr lang="ko-KR" altLang="en-US" sz="1200" dirty="0"/>
+          </a:p>
+        </p:txBody>
+      </p:sp>
+      <p:pic>
+        <p:nvPicPr>
+          <p:cNvPr id="2052" name="Picture 4" descr="IIS 스레드 풀의 작동 방식">
+            <a:extLst>
+              <a:ext uri="{FF2B5EF4-FFF2-40B4-BE49-F238E27FC236}">
+                <a16:creationId xmlns:a16="http://schemas.microsoft.com/office/drawing/2014/main" id="{994ABEB2-BE2D-408D-AC1F-E718513FF325}"/>
+              </a:ext>
+            </a:extLst>
+          </p:cNvPr>
+          <p:cNvPicPr>
+            <a:picLocks noChangeAspect="1" noChangeArrowheads="1"/>
+          </p:cNvPicPr>
+          <p:nvPr/>
+        </p:nvPicPr>
+        <p:blipFill>
+          <a:blip r:embed="rId2">
+            <a:extLst>
+              <a:ext uri="{28A0092B-C50C-407E-A947-70E740481C1C}">
+                <a14:useLocalDpi xmlns:a14="http://schemas.microsoft.com/office/drawing/2010/main" val="0"/>
+              </a:ext>
+            </a:extLst>
+          </a:blip>
+          <a:srcRect/>
+          <a:stretch>
+            <a:fillRect/>
+          </a:stretch>
+        </p:blipFill>
+        <p:spPr bwMode="auto">
+          <a:xfrm>
+            <a:off x="756509" y="4364001"/>
+            <a:ext cx="2392634" cy="2121112"/>
+          </a:xfrm>
+          <a:prstGeom prst="rect">
+            <a:avLst/>
+          </a:prstGeom>
+          <a:noFill/>
+          <a:extLst>
+            <a:ext uri="{909E8E84-426E-40DD-AFC4-6F175D3DCCD1}">
+              <a14:hiddenFill xmlns:a14="http://schemas.microsoft.com/office/drawing/2010/main">
+                <a:solidFill>
+                  <a:srgbClr val="FFFFFF"/>
+                </a:solidFill>
+              </a14:hiddenFill>
+            </a:ext>
+          </a:extLst>
+        </p:spPr>
+      </p:pic>
+      <p:sp>
+        <p:nvSpPr>
+          <p:cNvPr id="35" name="폭발: 8pt 34">
+            <a:extLst>
+              <a:ext uri="{FF2B5EF4-FFF2-40B4-BE49-F238E27FC236}">
+                <a16:creationId xmlns:a16="http://schemas.microsoft.com/office/drawing/2014/main" id="{22596D95-A758-472F-8619-2B1F0B8518A4}"/>
+              </a:ext>
+            </a:extLst>
+          </p:cNvPr>
+          <p:cNvSpPr/>
+          <p:nvPr/>
+        </p:nvSpPr>
+        <p:spPr>
+          <a:xfrm>
+            <a:off x="2765852" y="5259860"/>
+            <a:ext cx="1882347" cy="1460147"/>
           </a:xfrm>
           <a:prstGeom prst="irregularSeal1">
             <a:avLst/>
@@ -4116,7 +4217,39 @@
             <a:pPr algn="ctr"/>
             <a:r>
               <a:rPr lang="en-US" altLang="ko-KR" dirty="0"/>
-              <a:t>Limitation N Thread</a:t>
+              <a:t>Here,</a:t>
+            </a:r>
+            <a:r>
+              <a:rPr lang="ko-KR" altLang="en-US" dirty="0"/>
+              <a:t> </a:t>
+            </a:r>
+            <a:r>
+              <a:rPr lang="en-US" altLang="ko-KR" dirty="0"/>
+              <a:t>We</a:t>
+            </a:r>
+            <a:r>
+              <a:rPr lang="ko-KR" altLang="en-US" dirty="0"/>
+              <a:t> </a:t>
+            </a:r>
+            <a:r>
+              <a:rPr lang="en-US" altLang="ko-KR" dirty="0"/>
+              <a:t>Call</a:t>
+            </a:r>
+            <a:r>
+              <a:rPr lang="ko-KR" altLang="en-US" dirty="0"/>
+              <a:t> </a:t>
+            </a:r>
+            <a:r>
+              <a:rPr lang="en-US" altLang="ko-KR" dirty="0"/>
+              <a:t>Multi</a:t>
+            </a:r>
+            <a:r>
+              <a:rPr lang="ko-KR" altLang="en-US" dirty="0"/>
+              <a:t> </a:t>
+            </a:r>
+            <a:r>
+              <a:rPr lang="en-US" altLang="ko-KR" dirty="0"/>
+              <a:t>Thread</a:t>
             </a:r>
             <a:endParaRPr lang="ko-KR" altLang="en-US" dirty="0"/>
           </a:p>
@@ -4951,7 +5084,7 @@
         </p:nvSpPr>
         <p:spPr>
           <a:xfrm>
-            <a:off x="3245708" y="1639330"/>
+            <a:off x="2220096" y="1485914"/>
             <a:ext cx="1882347" cy="1460147"/>
           </a:xfrm>
           <a:prstGeom prst="irregularSeal1">
@@ -4995,7 +5128,7 @@
             </a:r>
             <a:r>
               <a:rPr lang="en-US" altLang="ko-KR" dirty="0"/>
-              <a:t>Call</a:t>
+              <a:t>Call,</a:t>
             </a:r>
             <a:r>
               <a:rPr lang="ko-KR" altLang="en-US" dirty="0"/>
@@ -6001,6 +6134,332 @@
     <p:extLst>
       <p:ext uri="{BB962C8B-B14F-4D97-AF65-F5344CB8AC3E}">
         <p14:creationId xmlns:p14="http://schemas.microsoft.com/office/powerpoint/2010/main" val="1562439816"/>
+      </p:ext>
+    </p:extLst>
+  </p:cSld>
+  <p:clrMapOvr>
+    <a:masterClrMapping/>
+  </p:clrMapOvr>
+</p:sld>
+</file>
+
+<file path=ppt/slides/slide4.xml><?xml version="1.0" encoding="utf-8"?>
+<p:sld xmlns:a="http://schemas.openxmlformats.org/drawingml/2006/main" xmlns:r="http://schemas.openxmlformats.org/officeDocument/2006/relationships" xmlns:p="http://schemas.openxmlformats.org/presentationml/2006/main">
+  <p:cSld>
+    <p:spTree>
+      <p:nvGrpSpPr>
+        <p:cNvPr id="1" name=""/>
+        <p:cNvGrpSpPr/>
+        <p:nvPr/>
+      </p:nvGrpSpPr>
+      <p:grpSpPr>
+        <a:xfrm>
+          <a:off x="0" y="0"/>
+          <a:ext cx="0" cy="0"/>
+          <a:chOff x="0" y="0"/>
+          <a:chExt cx="0" cy="0"/>
+        </a:xfrm>
+      </p:grpSpPr>
+      <p:sp>
+        <p:nvSpPr>
+          <p:cNvPr id="4" name="직사각형 3">
+            <a:extLst>
+              <a:ext uri="{FF2B5EF4-FFF2-40B4-BE49-F238E27FC236}">
+                <a16:creationId xmlns:a16="http://schemas.microsoft.com/office/drawing/2014/main" id="{CBD62671-61F2-41E7-B225-B8EE19751BEB}"/>
+              </a:ext>
+            </a:extLst>
+          </p:cNvPr>
+          <p:cNvSpPr/>
+          <p:nvPr/>
+        </p:nvSpPr>
+        <p:spPr>
+          <a:xfrm>
+            <a:off x="214184" y="115330"/>
+            <a:ext cx="3715265" cy="518984"/>
+          </a:xfrm>
+          <a:prstGeom prst="rect">
+            <a:avLst/>
+          </a:prstGeom>
+        </p:spPr>
+        <p:style>
+          <a:lnRef idx="2">
+            <a:schemeClr val="accent1">
+              <a:shade val="50000"/>
+            </a:schemeClr>
+          </a:lnRef>
+          <a:fillRef idx="1">
+            <a:schemeClr val="accent1"/>
+          </a:fillRef>
+          <a:effectRef idx="0">
+            <a:schemeClr val="accent1"/>
+          </a:effectRef>
+          <a:fontRef idx="minor">
+            <a:schemeClr val="lt1"/>
+          </a:fontRef>
+        </p:style>
+        <p:txBody>
+          <a:bodyPr rtlCol="0" anchor="ctr"/>
+          <a:lstStyle/>
+          <a:p>
+            <a:pPr algn="ctr"/>
+            <a:r>
+              <a:rPr lang="en-US" altLang="ko-KR" dirty="0"/>
+              <a:t>ASP.NET CORE AND ASP.NET 5 HIGHER</a:t>
+            </a:r>
+            <a:endParaRPr lang="ko-KR" altLang="en-US" dirty="0"/>
+          </a:p>
+        </p:txBody>
+      </p:sp>
+      <p:sp>
+        <p:nvSpPr>
+          <p:cNvPr id="27" name="폭발: 8pt 26">
+            <a:extLst>
+              <a:ext uri="{FF2B5EF4-FFF2-40B4-BE49-F238E27FC236}">
+                <a16:creationId xmlns:a16="http://schemas.microsoft.com/office/drawing/2014/main" id="{5E5786F7-CFA3-424D-90E6-DE323E361DBC}"/>
+              </a:ext>
+            </a:extLst>
+          </p:cNvPr>
+          <p:cNvSpPr/>
+          <p:nvPr/>
+        </p:nvSpPr>
+        <p:spPr>
+          <a:xfrm>
+            <a:off x="3676136" y="0"/>
+            <a:ext cx="3482545" cy="1460147"/>
+          </a:xfrm>
+          <a:prstGeom prst="irregularSeal1">
+            <a:avLst/>
+          </a:prstGeom>
+        </p:spPr>
+        <p:style>
+          <a:lnRef idx="1">
+            <a:schemeClr val="accent2"/>
+          </a:lnRef>
+          <a:fillRef idx="2">
+            <a:schemeClr val="accent2"/>
+          </a:fillRef>
+          <a:effectRef idx="1">
+            <a:schemeClr val="accent2"/>
+          </a:effectRef>
+          <a:fontRef idx="minor">
+            <a:schemeClr val="dk1"/>
+          </a:fontRef>
+        </p:style>
+        <p:txBody>
+          <a:bodyPr rtlCol="0" anchor="ctr"/>
+          <a:lstStyle/>
+          <a:p>
+            <a:pPr algn="ctr"/>
+            <a:r>
+              <a:rPr lang="en-US" altLang="ko-KR" sz="1200" dirty="0"/>
+              <a:t>ASP.NET Core 2.1 lower, Use </a:t>
+            </a:r>
+            <a:r>
+              <a:rPr lang="en-US" altLang="ko-KR" sz="1200" dirty="0" err="1"/>
+              <a:t>libuv</a:t>
+            </a:r>
+            <a:r>
+              <a:rPr lang="en-US" altLang="ko-KR" sz="1200" dirty="0"/>
+              <a:t>. And now, use socket.</a:t>
+            </a:r>
+            <a:endParaRPr lang="ko-KR" altLang="en-US" sz="1200" dirty="0"/>
+          </a:p>
+        </p:txBody>
+      </p:sp>
+      <p:pic>
+        <p:nvPicPr>
+          <p:cNvPr id="5" name="Picture 2" descr="6) Kestrel Web Server in ASP.NET Core | Core Spider - YouTube">
+            <a:extLst>
+              <a:ext uri="{FF2B5EF4-FFF2-40B4-BE49-F238E27FC236}">
+                <a16:creationId xmlns:a16="http://schemas.microsoft.com/office/drawing/2014/main" id="{B0AF21C3-7EBC-4149-A5E4-3A8F9488B943}"/>
+              </a:ext>
+            </a:extLst>
+          </p:cNvPr>
+          <p:cNvPicPr>
+            <a:picLocks noChangeAspect="1" noChangeArrowheads="1"/>
+          </p:cNvPicPr>
+          <p:nvPr/>
+        </p:nvPicPr>
+        <p:blipFill>
+          <a:blip r:embed="rId2">
+            <a:extLst>
+              <a:ext uri="{28A0092B-C50C-407E-A947-70E740481C1C}">
+                <a14:useLocalDpi xmlns:a14="http://schemas.microsoft.com/office/drawing/2010/main" val="0"/>
+              </a:ext>
+            </a:extLst>
+          </a:blip>
+          <a:srcRect/>
+          <a:stretch>
+            <a:fillRect/>
+          </a:stretch>
+        </p:blipFill>
+        <p:spPr bwMode="auto">
+          <a:xfrm>
+            <a:off x="214184" y="1568417"/>
+            <a:ext cx="4815018" cy="2708448"/>
+          </a:xfrm>
+          <a:prstGeom prst="rect">
+            <a:avLst/>
+          </a:prstGeom>
+          <a:noFill/>
+          <a:extLst>
+            <a:ext uri="{909E8E84-426E-40DD-AFC4-6F175D3DCCD1}">
+              <a14:hiddenFill xmlns:a14="http://schemas.microsoft.com/office/drawing/2010/main">
+                <a:solidFill>
+                  <a:srgbClr val="FFFFFF"/>
+                </a:solidFill>
+              </a14:hiddenFill>
+            </a:ext>
+          </a:extLst>
+        </p:spPr>
+      </p:pic>
+      <p:pic>
+        <p:nvPicPr>
+          <p:cNvPr id="1028" name="Picture 4" descr="kestrel in asp.net core - Stack Overflow">
+            <a:extLst>
+              <a:ext uri="{FF2B5EF4-FFF2-40B4-BE49-F238E27FC236}">
+                <a16:creationId xmlns:a16="http://schemas.microsoft.com/office/drawing/2014/main" id="{BEBFCFD9-BFDF-48F6-A7AE-594507A32C26}"/>
+              </a:ext>
+            </a:extLst>
+          </p:cNvPr>
+          <p:cNvPicPr>
+            <a:picLocks noChangeAspect="1" noChangeArrowheads="1"/>
+          </p:cNvPicPr>
+          <p:nvPr/>
+        </p:nvPicPr>
+        <p:blipFill>
+          <a:blip r:embed="rId3">
+            <a:extLst>
+              <a:ext uri="{28A0092B-C50C-407E-A947-70E740481C1C}">
+                <a14:useLocalDpi xmlns:a14="http://schemas.microsoft.com/office/drawing/2010/main" val="0"/>
+              </a:ext>
+            </a:extLst>
+          </a:blip>
+          <a:srcRect/>
+          <a:stretch>
+            <a:fillRect/>
+          </a:stretch>
+        </p:blipFill>
+        <p:spPr bwMode="auto">
+          <a:xfrm>
+            <a:off x="5417020" y="1128583"/>
+            <a:ext cx="5925195" cy="4076057"/>
+          </a:xfrm>
+          <a:prstGeom prst="rect">
+            <a:avLst/>
+          </a:prstGeom>
+          <a:noFill/>
+          <a:extLst>
+            <a:ext uri="{909E8E84-426E-40DD-AFC4-6F175D3DCCD1}">
+              <a14:hiddenFill xmlns:a14="http://schemas.microsoft.com/office/drawing/2010/main">
+                <a:solidFill>
+                  <a:srgbClr val="FFFFFF"/>
+                </a:solidFill>
+              </a14:hiddenFill>
+            </a:ext>
+          </a:extLst>
+        </p:spPr>
+      </p:pic>
+      <p:sp>
+        <p:nvSpPr>
+          <p:cNvPr id="34" name="폭발: 8pt 33">
+            <a:extLst>
+              <a:ext uri="{FF2B5EF4-FFF2-40B4-BE49-F238E27FC236}">
+                <a16:creationId xmlns:a16="http://schemas.microsoft.com/office/drawing/2014/main" id="{AB622962-AC29-49BA-ABE7-17051D67CE32}"/>
+              </a:ext>
+            </a:extLst>
+          </p:cNvPr>
+          <p:cNvSpPr/>
+          <p:nvPr/>
+        </p:nvSpPr>
+        <p:spPr>
+          <a:xfrm>
+            <a:off x="8635316" y="2734961"/>
+            <a:ext cx="1274804" cy="617839"/>
+          </a:xfrm>
+          <a:prstGeom prst="irregularSeal1">
+            <a:avLst/>
+          </a:prstGeom>
+        </p:spPr>
+        <p:style>
+          <a:lnRef idx="1">
+            <a:schemeClr val="accent2"/>
+          </a:lnRef>
+          <a:fillRef idx="2">
+            <a:schemeClr val="accent2"/>
+          </a:fillRef>
+          <a:effectRef idx="1">
+            <a:schemeClr val="accent2"/>
+          </a:effectRef>
+          <a:fontRef idx="minor">
+            <a:schemeClr val="dk1"/>
+          </a:fontRef>
+        </p:style>
+        <p:txBody>
+          <a:bodyPr rtlCol="0" anchor="ctr"/>
+          <a:lstStyle/>
+          <a:p>
+            <a:pPr algn="ctr"/>
+            <a:r>
+              <a:rPr lang="en-US" altLang="ko-KR" sz="1200" dirty="0"/>
+              <a:t>Edge web server</a:t>
+            </a:r>
+            <a:endParaRPr lang="ko-KR" altLang="en-US" sz="1200" dirty="0"/>
+          </a:p>
+        </p:txBody>
+      </p:sp>
+      <p:sp>
+        <p:nvSpPr>
+          <p:cNvPr id="39" name="폭발: 8pt 38">
+            <a:extLst>
+              <a:ext uri="{FF2B5EF4-FFF2-40B4-BE49-F238E27FC236}">
+                <a16:creationId xmlns:a16="http://schemas.microsoft.com/office/drawing/2014/main" id="{EC8B479E-F315-44D0-A8BA-A64294CEB743}"/>
+              </a:ext>
+            </a:extLst>
+          </p:cNvPr>
+          <p:cNvSpPr/>
+          <p:nvPr/>
+        </p:nvSpPr>
+        <p:spPr>
+          <a:xfrm>
+            <a:off x="10159316" y="3847069"/>
+            <a:ext cx="1274804" cy="617839"/>
+          </a:xfrm>
+          <a:prstGeom prst="irregularSeal1">
+            <a:avLst/>
+          </a:prstGeom>
+        </p:spPr>
+        <p:style>
+          <a:lnRef idx="1">
+            <a:schemeClr val="accent2"/>
+          </a:lnRef>
+          <a:fillRef idx="2">
+            <a:schemeClr val="accent2"/>
+          </a:fillRef>
+          <a:effectRef idx="1">
+            <a:schemeClr val="accent2"/>
+          </a:effectRef>
+          <a:fontRef idx="minor">
+            <a:schemeClr val="dk1"/>
+          </a:fontRef>
+        </p:style>
+        <p:txBody>
+          <a:bodyPr rtlCol="0" anchor="ctr"/>
+          <a:lstStyle/>
+          <a:p>
+            <a:pPr algn="ctr"/>
+            <a:r>
+              <a:rPr lang="en-US" altLang="ko-KR" sz="1200" dirty="0"/>
+              <a:t>Reserve proxy</a:t>
+            </a:r>
+            <a:endParaRPr lang="ko-KR" altLang="en-US" sz="1200" dirty="0"/>
+          </a:p>
+        </p:txBody>
+      </p:sp>
+    </p:spTree>
+    <p:extLst>
+      <p:ext uri="{BB962C8B-B14F-4D97-AF65-F5344CB8AC3E}">
+        <p14:creationId xmlns:p14="http://schemas.microsoft.com/office/powerpoint/2010/main" val="508976013"/>
       </p:ext>
     </p:extLst>
   </p:cSld>
